--- a/ppt 16-9/1211.大小末日.pptx
+++ b/ppt 16-9/1211.大小末日.pptx
@@ -5,7 +5,7 @@
     <p:sldMasterId id="2147483648" r:id="rId1"/>
   </p:sldMasterIdLst>
   <p:sldIdLst>
-    <p:sldId id="740" r:id="rId2"/>
+    <p:sldId id="742" r:id="rId2"/>
   </p:sldIdLst>
   <p:sldSz cx="12192000" cy="6858000"/>
   <p:notesSz cx="6858000" cy="9144000"/>
@@ -129,7 +129,7 @@
           <p:cNvPr id="2" name="标题 1">
             <a:extLst>
               <a:ext uri="{FF2B5EF4-FFF2-40B4-BE49-F238E27FC236}">
-                <a16:creationId xmlns:a16="http://schemas.microsoft.com/office/drawing/2014/main" id="{1067BACE-D0E2-D131-96B5-4BCC65E1431B}"/>
+                <a16:creationId xmlns:a16="http://schemas.microsoft.com/office/drawing/2014/main" id="{4F399DF7-1BF0-FEB0-B408-4C6279300995}"/>
               </a:ext>
             </a:extLst>
           </p:cNvPr>
@@ -166,7 +166,7 @@
           <p:cNvPr id="3" name="副标题 2">
             <a:extLst>
               <a:ext uri="{FF2B5EF4-FFF2-40B4-BE49-F238E27FC236}">
-                <a16:creationId xmlns:a16="http://schemas.microsoft.com/office/drawing/2014/main" id="{C673A682-AF7A-336A-1120-5B81D9CB908E}"/>
+                <a16:creationId xmlns:a16="http://schemas.microsoft.com/office/drawing/2014/main" id="{2BB787EC-1A04-8D1D-CEA7-F006DA5C1D04}"/>
               </a:ext>
             </a:extLst>
           </p:cNvPr>
@@ -236,7 +236,7 @@
           <p:cNvPr id="4" name="日期占位符 3">
             <a:extLst>
               <a:ext uri="{FF2B5EF4-FFF2-40B4-BE49-F238E27FC236}">
-                <a16:creationId xmlns:a16="http://schemas.microsoft.com/office/drawing/2014/main" id="{AF27B417-CE0D-D191-7FEC-B32E2EA5E0A5}"/>
+                <a16:creationId xmlns:a16="http://schemas.microsoft.com/office/drawing/2014/main" id="{D718D6C9-84DC-335D-05BA-1C56312374A7}"/>
               </a:ext>
             </a:extLst>
           </p:cNvPr>
@@ -252,7 +252,7 @@
           <a:bodyPr/>
           <a:lstStyle/>
           <a:p>
-            <a:fld id="{4B8A5D4E-6518-4B9B-B6A8-715157B99B0A}" type="datetimeFigureOut">
+            <a:fld id="{F2D343E5-E949-4855-8E61-09053646E530}" type="datetimeFigureOut">
               <a:rPr lang="zh-CN" altLang="en-US" smtClean="0"/>
               <a:t>2024/3/10</a:t>
             </a:fld>
@@ -265,7 +265,7 @@
           <p:cNvPr id="5" name="页脚占位符 4">
             <a:extLst>
               <a:ext uri="{FF2B5EF4-FFF2-40B4-BE49-F238E27FC236}">
-                <a16:creationId xmlns:a16="http://schemas.microsoft.com/office/drawing/2014/main" id="{20890E84-D484-40EF-F477-766393DD0ABA}"/>
+                <a16:creationId xmlns:a16="http://schemas.microsoft.com/office/drawing/2014/main" id="{C8307F05-DDFF-AA63-661F-9F1094A8F116}"/>
               </a:ext>
             </a:extLst>
           </p:cNvPr>
@@ -290,7 +290,7 @@
           <p:cNvPr id="6" name="灯片编号占位符 5">
             <a:extLst>
               <a:ext uri="{FF2B5EF4-FFF2-40B4-BE49-F238E27FC236}">
-                <a16:creationId xmlns:a16="http://schemas.microsoft.com/office/drawing/2014/main" id="{1CFF1D49-A554-7CDE-DD07-CEF82F5AC556}"/>
+                <a16:creationId xmlns:a16="http://schemas.microsoft.com/office/drawing/2014/main" id="{D6FFAC70-AEB0-10D7-B6CA-494BCF016E9F}"/>
               </a:ext>
             </a:extLst>
           </p:cNvPr>
@@ -306,7 +306,7 @@
           <a:bodyPr/>
           <a:lstStyle/>
           <a:p>
-            <a:fld id="{05BB5440-6AC4-4B34-BB4B-342A5E19C0E5}" type="slidenum">
+            <a:fld id="{21BDFC3D-260D-4D63-B460-4A8FAB98BE4F}" type="slidenum">
               <a:rPr lang="zh-CN" altLang="en-US" smtClean="0"/>
               <a:t>‹#›</a:t>
             </a:fld>
@@ -317,7 +317,7 @@
     </p:spTree>
     <p:extLst>
       <p:ext uri="{BB962C8B-B14F-4D97-AF65-F5344CB8AC3E}">
-        <p14:creationId xmlns:p14="http://schemas.microsoft.com/office/powerpoint/2010/main" val="1161173079"/>
+        <p14:creationId xmlns:p14="http://schemas.microsoft.com/office/powerpoint/2010/main" val="965273531"/>
       </p:ext>
     </p:extLst>
   </p:cSld>
@@ -349,7 +349,7 @@
           <p:cNvPr id="2" name="标题 1">
             <a:extLst>
               <a:ext uri="{FF2B5EF4-FFF2-40B4-BE49-F238E27FC236}">
-                <a16:creationId xmlns:a16="http://schemas.microsoft.com/office/drawing/2014/main" id="{B5F6BFE8-34F9-9700-AA3E-1B87D265AA01}"/>
+                <a16:creationId xmlns:a16="http://schemas.microsoft.com/office/drawing/2014/main" id="{5FCE8FB9-D6EE-B3CF-5B99-8EA47CCEBDD6}"/>
               </a:ext>
             </a:extLst>
           </p:cNvPr>
@@ -377,7 +377,7 @@
           <p:cNvPr id="3" name="竖排文字占位符 2">
             <a:extLst>
               <a:ext uri="{FF2B5EF4-FFF2-40B4-BE49-F238E27FC236}">
-                <a16:creationId xmlns:a16="http://schemas.microsoft.com/office/drawing/2014/main" id="{0B15FE7E-BC30-B308-F039-AA347706DAA8}"/>
+                <a16:creationId xmlns:a16="http://schemas.microsoft.com/office/drawing/2014/main" id="{D97BD2CA-5684-DEE4-56DD-9F414A849973}"/>
               </a:ext>
             </a:extLst>
           </p:cNvPr>
@@ -434,7 +434,7 @@
           <p:cNvPr id="4" name="日期占位符 3">
             <a:extLst>
               <a:ext uri="{FF2B5EF4-FFF2-40B4-BE49-F238E27FC236}">
-                <a16:creationId xmlns:a16="http://schemas.microsoft.com/office/drawing/2014/main" id="{4F3293CF-F448-6011-9490-CC48611B4438}"/>
+                <a16:creationId xmlns:a16="http://schemas.microsoft.com/office/drawing/2014/main" id="{D3239489-EC38-0C3E-116F-F72F2AD10DE2}"/>
               </a:ext>
             </a:extLst>
           </p:cNvPr>
@@ -450,7 +450,7 @@
           <a:bodyPr/>
           <a:lstStyle/>
           <a:p>
-            <a:fld id="{4B8A5D4E-6518-4B9B-B6A8-715157B99B0A}" type="datetimeFigureOut">
+            <a:fld id="{F2D343E5-E949-4855-8E61-09053646E530}" type="datetimeFigureOut">
               <a:rPr lang="zh-CN" altLang="en-US" smtClean="0"/>
               <a:t>2024/3/10</a:t>
             </a:fld>
@@ -463,7 +463,7 @@
           <p:cNvPr id="5" name="页脚占位符 4">
             <a:extLst>
               <a:ext uri="{FF2B5EF4-FFF2-40B4-BE49-F238E27FC236}">
-                <a16:creationId xmlns:a16="http://schemas.microsoft.com/office/drawing/2014/main" id="{E5E511B0-0EFB-1188-078C-4B9CFE0BDE5E}"/>
+                <a16:creationId xmlns:a16="http://schemas.microsoft.com/office/drawing/2014/main" id="{57CFC786-2CFD-D300-6889-CB315569FB58}"/>
               </a:ext>
             </a:extLst>
           </p:cNvPr>
@@ -488,7 +488,7 @@
           <p:cNvPr id="6" name="灯片编号占位符 5">
             <a:extLst>
               <a:ext uri="{FF2B5EF4-FFF2-40B4-BE49-F238E27FC236}">
-                <a16:creationId xmlns:a16="http://schemas.microsoft.com/office/drawing/2014/main" id="{2DBA46B8-28DC-F387-4FD7-7F8A951ECB0D}"/>
+                <a16:creationId xmlns:a16="http://schemas.microsoft.com/office/drawing/2014/main" id="{900487CC-87B1-6E61-DF47-BAAAAA981AF4}"/>
               </a:ext>
             </a:extLst>
           </p:cNvPr>
@@ -504,7 +504,7 @@
           <a:bodyPr/>
           <a:lstStyle/>
           <a:p>
-            <a:fld id="{05BB5440-6AC4-4B34-BB4B-342A5E19C0E5}" type="slidenum">
+            <a:fld id="{21BDFC3D-260D-4D63-B460-4A8FAB98BE4F}" type="slidenum">
               <a:rPr lang="zh-CN" altLang="en-US" smtClean="0"/>
               <a:t>‹#›</a:t>
             </a:fld>
@@ -515,7 +515,7 @@
     </p:spTree>
     <p:extLst>
       <p:ext uri="{BB962C8B-B14F-4D97-AF65-F5344CB8AC3E}">
-        <p14:creationId xmlns:p14="http://schemas.microsoft.com/office/powerpoint/2010/main" val="2711241328"/>
+        <p14:creationId xmlns:p14="http://schemas.microsoft.com/office/powerpoint/2010/main" val="3951398073"/>
       </p:ext>
     </p:extLst>
   </p:cSld>
@@ -547,7 +547,7 @@
           <p:cNvPr id="2" name="竖排标题 1">
             <a:extLst>
               <a:ext uri="{FF2B5EF4-FFF2-40B4-BE49-F238E27FC236}">
-                <a16:creationId xmlns:a16="http://schemas.microsoft.com/office/drawing/2014/main" id="{D25E242F-7681-423E-589B-F018F15DE5CE}"/>
+                <a16:creationId xmlns:a16="http://schemas.microsoft.com/office/drawing/2014/main" id="{DCDAA654-38ED-A0C1-2566-85E2EFC47AFD}"/>
               </a:ext>
             </a:extLst>
           </p:cNvPr>
@@ -580,7 +580,7 @@
           <p:cNvPr id="3" name="竖排文字占位符 2">
             <a:extLst>
               <a:ext uri="{FF2B5EF4-FFF2-40B4-BE49-F238E27FC236}">
-                <a16:creationId xmlns:a16="http://schemas.microsoft.com/office/drawing/2014/main" id="{97A4B17C-AF12-BFC0-C045-09C471B84848}"/>
+                <a16:creationId xmlns:a16="http://schemas.microsoft.com/office/drawing/2014/main" id="{E7ECBD17-F77D-BEA3-C560-8E8838C3B18C}"/>
               </a:ext>
             </a:extLst>
           </p:cNvPr>
@@ -642,7 +642,7 @@
           <p:cNvPr id="4" name="日期占位符 3">
             <a:extLst>
               <a:ext uri="{FF2B5EF4-FFF2-40B4-BE49-F238E27FC236}">
-                <a16:creationId xmlns:a16="http://schemas.microsoft.com/office/drawing/2014/main" id="{64CEFF03-DD2F-DB5F-A3D4-E2DB4532668F}"/>
+                <a16:creationId xmlns:a16="http://schemas.microsoft.com/office/drawing/2014/main" id="{54F88818-3C4E-26E0-40D9-5089A0176FBC}"/>
               </a:ext>
             </a:extLst>
           </p:cNvPr>
@@ -658,7 +658,7 @@
           <a:bodyPr/>
           <a:lstStyle/>
           <a:p>
-            <a:fld id="{4B8A5D4E-6518-4B9B-B6A8-715157B99B0A}" type="datetimeFigureOut">
+            <a:fld id="{F2D343E5-E949-4855-8E61-09053646E530}" type="datetimeFigureOut">
               <a:rPr lang="zh-CN" altLang="en-US" smtClean="0"/>
               <a:t>2024/3/10</a:t>
             </a:fld>
@@ -671,7 +671,7 @@
           <p:cNvPr id="5" name="页脚占位符 4">
             <a:extLst>
               <a:ext uri="{FF2B5EF4-FFF2-40B4-BE49-F238E27FC236}">
-                <a16:creationId xmlns:a16="http://schemas.microsoft.com/office/drawing/2014/main" id="{E13BBCFC-8087-5757-1496-7C76C750A723}"/>
+                <a16:creationId xmlns:a16="http://schemas.microsoft.com/office/drawing/2014/main" id="{55AA393A-3347-FD1F-099D-08440AA55122}"/>
               </a:ext>
             </a:extLst>
           </p:cNvPr>
@@ -696,7 +696,7 @@
           <p:cNvPr id="6" name="灯片编号占位符 5">
             <a:extLst>
               <a:ext uri="{FF2B5EF4-FFF2-40B4-BE49-F238E27FC236}">
-                <a16:creationId xmlns:a16="http://schemas.microsoft.com/office/drawing/2014/main" id="{94B74196-575E-1186-B728-043E01DFD831}"/>
+                <a16:creationId xmlns:a16="http://schemas.microsoft.com/office/drawing/2014/main" id="{3071FB1C-E612-C573-B5BB-3A655C2BD004}"/>
               </a:ext>
             </a:extLst>
           </p:cNvPr>
@@ -712,7 +712,7 @@
           <a:bodyPr/>
           <a:lstStyle/>
           <a:p>
-            <a:fld id="{05BB5440-6AC4-4B34-BB4B-342A5E19C0E5}" type="slidenum">
+            <a:fld id="{21BDFC3D-260D-4D63-B460-4A8FAB98BE4F}" type="slidenum">
               <a:rPr lang="zh-CN" altLang="en-US" smtClean="0"/>
               <a:t>‹#›</a:t>
             </a:fld>
@@ -723,7 +723,7 @@
     </p:spTree>
     <p:extLst>
       <p:ext uri="{BB962C8B-B14F-4D97-AF65-F5344CB8AC3E}">
-        <p14:creationId xmlns:p14="http://schemas.microsoft.com/office/powerpoint/2010/main" val="1160731008"/>
+        <p14:creationId xmlns:p14="http://schemas.microsoft.com/office/powerpoint/2010/main" val="394139675"/>
       </p:ext>
     </p:extLst>
   </p:cSld>
@@ -755,7 +755,7 @@
           <p:cNvPr id="2" name="标题 1">
             <a:extLst>
               <a:ext uri="{FF2B5EF4-FFF2-40B4-BE49-F238E27FC236}">
-                <a16:creationId xmlns:a16="http://schemas.microsoft.com/office/drawing/2014/main" id="{2F74B205-7DB4-B58D-411F-3D2576F6E815}"/>
+                <a16:creationId xmlns:a16="http://schemas.microsoft.com/office/drawing/2014/main" id="{F5BDEB9A-6A65-B6B2-8885-F151DE510A1D}"/>
               </a:ext>
             </a:extLst>
           </p:cNvPr>
@@ -783,7 +783,7 @@
           <p:cNvPr id="3" name="内容占位符 2">
             <a:extLst>
               <a:ext uri="{FF2B5EF4-FFF2-40B4-BE49-F238E27FC236}">
-                <a16:creationId xmlns:a16="http://schemas.microsoft.com/office/drawing/2014/main" id="{DB9EAD51-D930-6DED-C96C-28FBFE5B7801}"/>
+                <a16:creationId xmlns:a16="http://schemas.microsoft.com/office/drawing/2014/main" id="{9D191226-397B-455B-245F-2D04FDE0D666}"/>
               </a:ext>
             </a:extLst>
           </p:cNvPr>
@@ -840,7 +840,7 @@
           <p:cNvPr id="4" name="日期占位符 3">
             <a:extLst>
               <a:ext uri="{FF2B5EF4-FFF2-40B4-BE49-F238E27FC236}">
-                <a16:creationId xmlns:a16="http://schemas.microsoft.com/office/drawing/2014/main" id="{F8DA867C-9256-E5AD-35BF-D7E056F03594}"/>
+                <a16:creationId xmlns:a16="http://schemas.microsoft.com/office/drawing/2014/main" id="{215EAC24-A8ED-59F8-3973-4B21F431A055}"/>
               </a:ext>
             </a:extLst>
           </p:cNvPr>
@@ -856,7 +856,7 @@
           <a:bodyPr/>
           <a:lstStyle/>
           <a:p>
-            <a:fld id="{4B8A5D4E-6518-4B9B-B6A8-715157B99B0A}" type="datetimeFigureOut">
+            <a:fld id="{F2D343E5-E949-4855-8E61-09053646E530}" type="datetimeFigureOut">
               <a:rPr lang="zh-CN" altLang="en-US" smtClean="0"/>
               <a:t>2024/3/10</a:t>
             </a:fld>
@@ -869,7 +869,7 @@
           <p:cNvPr id="5" name="页脚占位符 4">
             <a:extLst>
               <a:ext uri="{FF2B5EF4-FFF2-40B4-BE49-F238E27FC236}">
-                <a16:creationId xmlns:a16="http://schemas.microsoft.com/office/drawing/2014/main" id="{7BF50D12-DA26-3975-CEE1-48E5D8F53C42}"/>
+                <a16:creationId xmlns:a16="http://schemas.microsoft.com/office/drawing/2014/main" id="{01E584BD-711A-D404-F4A4-55B3AB24B9B1}"/>
               </a:ext>
             </a:extLst>
           </p:cNvPr>
@@ -894,7 +894,7 @@
           <p:cNvPr id="6" name="灯片编号占位符 5">
             <a:extLst>
               <a:ext uri="{FF2B5EF4-FFF2-40B4-BE49-F238E27FC236}">
-                <a16:creationId xmlns:a16="http://schemas.microsoft.com/office/drawing/2014/main" id="{9F31A0F7-F0F7-D15E-9DFD-C25B6D9FAE2D}"/>
+                <a16:creationId xmlns:a16="http://schemas.microsoft.com/office/drawing/2014/main" id="{A43FC3DA-E12C-8FB6-6C6E-B013C8F6A3A1}"/>
               </a:ext>
             </a:extLst>
           </p:cNvPr>
@@ -910,7 +910,7 @@
           <a:bodyPr/>
           <a:lstStyle/>
           <a:p>
-            <a:fld id="{05BB5440-6AC4-4B34-BB4B-342A5E19C0E5}" type="slidenum">
+            <a:fld id="{21BDFC3D-260D-4D63-B460-4A8FAB98BE4F}" type="slidenum">
               <a:rPr lang="zh-CN" altLang="en-US" smtClean="0"/>
               <a:t>‹#›</a:t>
             </a:fld>
@@ -921,7 +921,7 @@
     </p:spTree>
     <p:extLst>
       <p:ext uri="{BB962C8B-B14F-4D97-AF65-F5344CB8AC3E}">
-        <p14:creationId xmlns:p14="http://schemas.microsoft.com/office/powerpoint/2010/main" val="1947301507"/>
+        <p14:creationId xmlns:p14="http://schemas.microsoft.com/office/powerpoint/2010/main" val="3315713084"/>
       </p:ext>
     </p:extLst>
   </p:cSld>
@@ -953,7 +953,7 @@
           <p:cNvPr id="2" name="标题 1">
             <a:extLst>
               <a:ext uri="{FF2B5EF4-FFF2-40B4-BE49-F238E27FC236}">
-                <a16:creationId xmlns:a16="http://schemas.microsoft.com/office/drawing/2014/main" id="{3C55F6AB-B97F-240C-017F-FFAF9FEAF028}"/>
+                <a16:creationId xmlns:a16="http://schemas.microsoft.com/office/drawing/2014/main" id="{2F423E69-EE92-8F06-D92E-05DA502A4CE4}"/>
               </a:ext>
             </a:extLst>
           </p:cNvPr>
@@ -990,7 +990,7 @@
           <p:cNvPr id="3" name="文本占位符 2">
             <a:extLst>
               <a:ext uri="{FF2B5EF4-FFF2-40B4-BE49-F238E27FC236}">
-                <a16:creationId xmlns:a16="http://schemas.microsoft.com/office/drawing/2014/main" id="{94BA6A67-AB8E-0B98-E910-85DDCCFEC536}"/>
+                <a16:creationId xmlns:a16="http://schemas.microsoft.com/office/drawing/2014/main" id="{8F58DB89-51E9-6ED9-14E6-610B69C61C67}"/>
               </a:ext>
             </a:extLst>
           </p:cNvPr>
@@ -1115,7 +1115,7 @@
           <p:cNvPr id="4" name="日期占位符 3">
             <a:extLst>
               <a:ext uri="{FF2B5EF4-FFF2-40B4-BE49-F238E27FC236}">
-                <a16:creationId xmlns:a16="http://schemas.microsoft.com/office/drawing/2014/main" id="{9AF70C7D-2BEF-685E-71CA-A2CD7EEFC7AE}"/>
+                <a16:creationId xmlns:a16="http://schemas.microsoft.com/office/drawing/2014/main" id="{23D9B9B9-AEB0-2697-A05D-B162EF8E61B2}"/>
               </a:ext>
             </a:extLst>
           </p:cNvPr>
@@ -1131,7 +1131,7 @@
           <a:bodyPr/>
           <a:lstStyle/>
           <a:p>
-            <a:fld id="{4B8A5D4E-6518-4B9B-B6A8-715157B99B0A}" type="datetimeFigureOut">
+            <a:fld id="{F2D343E5-E949-4855-8E61-09053646E530}" type="datetimeFigureOut">
               <a:rPr lang="zh-CN" altLang="en-US" smtClean="0"/>
               <a:t>2024/3/10</a:t>
             </a:fld>
@@ -1144,7 +1144,7 @@
           <p:cNvPr id="5" name="页脚占位符 4">
             <a:extLst>
               <a:ext uri="{FF2B5EF4-FFF2-40B4-BE49-F238E27FC236}">
-                <a16:creationId xmlns:a16="http://schemas.microsoft.com/office/drawing/2014/main" id="{D89D44F5-3899-903E-E991-913B2E67AC86}"/>
+                <a16:creationId xmlns:a16="http://schemas.microsoft.com/office/drawing/2014/main" id="{D2578D48-8AAC-6868-4DBA-51EB39D63495}"/>
               </a:ext>
             </a:extLst>
           </p:cNvPr>
@@ -1169,7 +1169,7 @@
           <p:cNvPr id="6" name="灯片编号占位符 5">
             <a:extLst>
               <a:ext uri="{FF2B5EF4-FFF2-40B4-BE49-F238E27FC236}">
-                <a16:creationId xmlns:a16="http://schemas.microsoft.com/office/drawing/2014/main" id="{A9B64846-AFA1-39C3-9427-57717A2AB0C2}"/>
+                <a16:creationId xmlns:a16="http://schemas.microsoft.com/office/drawing/2014/main" id="{5A99C8D4-CAB9-5DA4-7695-9B8F94D40C8D}"/>
               </a:ext>
             </a:extLst>
           </p:cNvPr>
@@ -1185,7 +1185,7 @@
           <a:bodyPr/>
           <a:lstStyle/>
           <a:p>
-            <a:fld id="{05BB5440-6AC4-4B34-BB4B-342A5E19C0E5}" type="slidenum">
+            <a:fld id="{21BDFC3D-260D-4D63-B460-4A8FAB98BE4F}" type="slidenum">
               <a:rPr lang="zh-CN" altLang="en-US" smtClean="0"/>
               <a:t>‹#›</a:t>
             </a:fld>
@@ -1196,7 +1196,7 @@
     </p:spTree>
     <p:extLst>
       <p:ext uri="{BB962C8B-B14F-4D97-AF65-F5344CB8AC3E}">
-        <p14:creationId xmlns:p14="http://schemas.microsoft.com/office/powerpoint/2010/main" val="839574405"/>
+        <p14:creationId xmlns:p14="http://schemas.microsoft.com/office/powerpoint/2010/main" val="1373792990"/>
       </p:ext>
     </p:extLst>
   </p:cSld>
@@ -1228,7 +1228,7 @@
           <p:cNvPr id="2" name="标题 1">
             <a:extLst>
               <a:ext uri="{FF2B5EF4-FFF2-40B4-BE49-F238E27FC236}">
-                <a16:creationId xmlns:a16="http://schemas.microsoft.com/office/drawing/2014/main" id="{56E8C2CD-61EB-26DE-2CB7-BBB701D0BF9C}"/>
+                <a16:creationId xmlns:a16="http://schemas.microsoft.com/office/drawing/2014/main" id="{4AEF73D4-138C-B35E-B1B7-28F8377F44C7}"/>
               </a:ext>
             </a:extLst>
           </p:cNvPr>
@@ -1256,7 +1256,7 @@
           <p:cNvPr id="3" name="内容占位符 2">
             <a:extLst>
               <a:ext uri="{FF2B5EF4-FFF2-40B4-BE49-F238E27FC236}">
-                <a16:creationId xmlns:a16="http://schemas.microsoft.com/office/drawing/2014/main" id="{AF50C741-A773-4348-2F50-F51F2FA6B3E2}"/>
+                <a16:creationId xmlns:a16="http://schemas.microsoft.com/office/drawing/2014/main" id="{073B2D73-E56C-6B06-0CAF-0200A70F1525}"/>
               </a:ext>
             </a:extLst>
           </p:cNvPr>
@@ -1318,7 +1318,7 @@
           <p:cNvPr id="4" name="内容占位符 3">
             <a:extLst>
               <a:ext uri="{FF2B5EF4-FFF2-40B4-BE49-F238E27FC236}">
-                <a16:creationId xmlns:a16="http://schemas.microsoft.com/office/drawing/2014/main" id="{0C1D9D39-487D-1158-6AED-2D64CC8BDE4B}"/>
+                <a16:creationId xmlns:a16="http://schemas.microsoft.com/office/drawing/2014/main" id="{618A8515-5A37-0202-684D-501D53519643}"/>
               </a:ext>
             </a:extLst>
           </p:cNvPr>
@@ -1380,7 +1380,7 @@
           <p:cNvPr id="5" name="日期占位符 4">
             <a:extLst>
               <a:ext uri="{FF2B5EF4-FFF2-40B4-BE49-F238E27FC236}">
-                <a16:creationId xmlns:a16="http://schemas.microsoft.com/office/drawing/2014/main" id="{57104784-C9AF-144A-40EA-1B3D719E8AA0}"/>
+                <a16:creationId xmlns:a16="http://schemas.microsoft.com/office/drawing/2014/main" id="{DE255A15-D9BB-B0A9-5AC5-DA11DD35541F}"/>
               </a:ext>
             </a:extLst>
           </p:cNvPr>
@@ -1396,7 +1396,7 @@
           <a:bodyPr/>
           <a:lstStyle/>
           <a:p>
-            <a:fld id="{4B8A5D4E-6518-4B9B-B6A8-715157B99B0A}" type="datetimeFigureOut">
+            <a:fld id="{F2D343E5-E949-4855-8E61-09053646E530}" type="datetimeFigureOut">
               <a:rPr lang="zh-CN" altLang="en-US" smtClean="0"/>
               <a:t>2024/3/10</a:t>
             </a:fld>
@@ -1409,7 +1409,7 @@
           <p:cNvPr id="6" name="页脚占位符 5">
             <a:extLst>
               <a:ext uri="{FF2B5EF4-FFF2-40B4-BE49-F238E27FC236}">
-                <a16:creationId xmlns:a16="http://schemas.microsoft.com/office/drawing/2014/main" id="{1B533415-927F-F575-EFE3-3BBAC6E27BB6}"/>
+                <a16:creationId xmlns:a16="http://schemas.microsoft.com/office/drawing/2014/main" id="{C4EC824B-1880-AEAA-7391-48F679B0413B}"/>
               </a:ext>
             </a:extLst>
           </p:cNvPr>
@@ -1434,7 +1434,7 @@
           <p:cNvPr id="7" name="灯片编号占位符 6">
             <a:extLst>
               <a:ext uri="{FF2B5EF4-FFF2-40B4-BE49-F238E27FC236}">
-                <a16:creationId xmlns:a16="http://schemas.microsoft.com/office/drawing/2014/main" id="{4CDFE2BB-237F-7FF1-9626-E95F4740AEDC}"/>
+                <a16:creationId xmlns:a16="http://schemas.microsoft.com/office/drawing/2014/main" id="{1C347DFE-6E35-E37A-6663-8BC786AD78B5}"/>
               </a:ext>
             </a:extLst>
           </p:cNvPr>
@@ -1450,7 +1450,7 @@
           <a:bodyPr/>
           <a:lstStyle/>
           <a:p>
-            <a:fld id="{05BB5440-6AC4-4B34-BB4B-342A5E19C0E5}" type="slidenum">
+            <a:fld id="{21BDFC3D-260D-4D63-B460-4A8FAB98BE4F}" type="slidenum">
               <a:rPr lang="zh-CN" altLang="en-US" smtClean="0"/>
               <a:t>‹#›</a:t>
             </a:fld>
@@ -1461,7 +1461,7 @@
     </p:spTree>
     <p:extLst>
       <p:ext uri="{BB962C8B-B14F-4D97-AF65-F5344CB8AC3E}">
-        <p14:creationId xmlns:p14="http://schemas.microsoft.com/office/powerpoint/2010/main" val="1042809635"/>
+        <p14:creationId xmlns:p14="http://schemas.microsoft.com/office/powerpoint/2010/main" val="3575439637"/>
       </p:ext>
     </p:extLst>
   </p:cSld>
@@ -1493,7 +1493,7 @@
           <p:cNvPr id="2" name="标题 1">
             <a:extLst>
               <a:ext uri="{FF2B5EF4-FFF2-40B4-BE49-F238E27FC236}">
-                <a16:creationId xmlns:a16="http://schemas.microsoft.com/office/drawing/2014/main" id="{3AC634C6-F9A0-DFD8-7185-09F8052E2D11}"/>
+                <a16:creationId xmlns:a16="http://schemas.microsoft.com/office/drawing/2014/main" id="{C8AEB189-224A-4841-2A90-A56259473F1F}"/>
               </a:ext>
             </a:extLst>
           </p:cNvPr>
@@ -1526,7 +1526,7 @@
           <p:cNvPr id="3" name="文本占位符 2">
             <a:extLst>
               <a:ext uri="{FF2B5EF4-FFF2-40B4-BE49-F238E27FC236}">
-                <a16:creationId xmlns:a16="http://schemas.microsoft.com/office/drawing/2014/main" id="{FDF0B095-C7AC-64F2-1C86-EEA0C3A9493A}"/>
+                <a16:creationId xmlns:a16="http://schemas.microsoft.com/office/drawing/2014/main" id="{A1A6EF48-B5AB-4CB9-8619-820942FB049D}"/>
               </a:ext>
             </a:extLst>
           </p:cNvPr>
@@ -1597,7 +1597,7 @@
           <p:cNvPr id="4" name="内容占位符 3">
             <a:extLst>
               <a:ext uri="{FF2B5EF4-FFF2-40B4-BE49-F238E27FC236}">
-                <a16:creationId xmlns:a16="http://schemas.microsoft.com/office/drawing/2014/main" id="{C8CE4706-8B3E-9FDC-4C26-65A877CD504F}"/>
+                <a16:creationId xmlns:a16="http://schemas.microsoft.com/office/drawing/2014/main" id="{DCD1D884-B3BB-1A95-C778-2F311F45A291}"/>
               </a:ext>
             </a:extLst>
           </p:cNvPr>
@@ -1659,7 +1659,7 @@
           <p:cNvPr id="5" name="文本占位符 4">
             <a:extLst>
               <a:ext uri="{FF2B5EF4-FFF2-40B4-BE49-F238E27FC236}">
-                <a16:creationId xmlns:a16="http://schemas.microsoft.com/office/drawing/2014/main" id="{BE32B318-5888-9F62-50A3-BC5F426D0AFA}"/>
+                <a16:creationId xmlns:a16="http://schemas.microsoft.com/office/drawing/2014/main" id="{22EA5E2B-6AE2-4B3B-52BE-D2AD83C70D45}"/>
               </a:ext>
             </a:extLst>
           </p:cNvPr>
@@ -1730,7 +1730,7 @@
           <p:cNvPr id="6" name="内容占位符 5">
             <a:extLst>
               <a:ext uri="{FF2B5EF4-FFF2-40B4-BE49-F238E27FC236}">
-                <a16:creationId xmlns:a16="http://schemas.microsoft.com/office/drawing/2014/main" id="{84D6FF1F-5AE1-1480-F824-2D2FDD8E9D5A}"/>
+                <a16:creationId xmlns:a16="http://schemas.microsoft.com/office/drawing/2014/main" id="{96348D44-BACB-70EB-A3EA-95441E0AEC22}"/>
               </a:ext>
             </a:extLst>
           </p:cNvPr>
@@ -1792,7 +1792,7 @@
           <p:cNvPr id="7" name="日期占位符 6">
             <a:extLst>
               <a:ext uri="{FF2B5EF4-FFF2-40B4-BE49-F238E27FC236}">
-                <a16:creationId xmlns:a16="http://schemas.microsoft.com/office/drawing/2014/main" id="{8B303A5D-ADF0-618E-ECC0-826308B247CD}"/>
+                <a16:creationId xmlns:a16="http://schemas.microsoft.com/office/drawing/2014/main" id="{D75C9DC0-7594-871D-0A98-0D14E8C655A7}"/>
               </a:ext>
             </a:extLst>
           </p:cNvPr>
@@ -1808,7 +1808,7 @@
           <a:bodyPr/>
           <a:lstStyle/>
           <a:p>
-            <a:fld id="{4B8A5D4E-6518-4B9B-B6A8-715157B99B0A}" type="datetimeFigureOut">
+            <a:fld id="{F2D343E5-E949-4855-8E61-09053646E530}" type="datetimeFigureOut">
               <a:rPr lang="zh-CN" altLang="en-US" smtClean="0"/>
               <a:t>2024/3/10</a:t>
             </a:fld>
@@ -1821,7 +1821,7 @@
           <p:cNvPr id="8" name="页脚占位符 7">
             <a:extLst>
               <a:ext uri="{FF2B5EF4-FFF2-40B4-BE49-F238E27FC236}">
-                <a16:creationId xmlns:a16="http://schemas.microsoft.com/office/drawing/2014/main" id="{8D6FC897-5F8E-1041-9D97-27A58C60456D}"/>
+                <a16:creationId xmlns:a16="http://schemas.microsoft.com/office/drawing/2014/main" id="{F742FE03-51E2-B654-143D-638ED332A848}"/>
               </a:ext>
             </a:extLst>
           </p:cNvPr>
@@ -1846,7 +1846,7 @@
           <p:cNvPr id="9" name="灯片编号占位符 8">
             <a:extLst>
               <a:ext uri="{FF2B5EF4-FFF2-40B4-BE49-F238E27FC236}">
-                <a16:creationId xmlns:a16="http://schemas.microsoft.com/office/drawing/2014/main" id="{1D14F5FC-C210-D0A8-745A-C7CE4334B106}"/>
+                <a16:creationId xmlns:a16="http://schemas.microsoft.com/office/drawing/2014/main" id="{7D6F24BA-DD8F-D744-90A6-C7F7F0C2B34F}"/>
               </a:ext>
             </a:extLst>
           </p:cNvPr>
@@ -1862,7 +1862,7 @@
           <a:bodyPr/>
           <a:lstStyle/>
           <a:p>
-            <a:fld id="{05BB5440-6AC4-4B34-BB4B-342A5E19C0E5}" type="slidenum">
+            <a:fld id="{21BDFC3D-260D-4D63-B460-4A8FAB98BE4F}" type="slidenum">
               <a:rPr lang="zh-CN" altLang="en-US" smtClean="0"/>
               <a:t>‹#›</a:t>
             </a:fld>
@@ -1873,7 +1873,7 @@
     </p:spTree>
     <p:extLst>
       <p:ext uri="{BB962C8B-B14F-4D97-AF65-F5344CB8AC3E}">
-        <p14:creationId xmlns:p14="http://schemas.microsoft.com/office/powerpoint/2010/main" val="321225716"/>
+        <p14:creationId xmlns:p14="http://schemas.microsoft.com/office/powerpoint/2010/main" val="659185089"/>
       </p:ext>
     </p:extLst>
   </p:cSld>
@@ -1905,7 +1905,7 @@
           <p:cNvPr id="2" name="标题 1">
             <a:extLst>
               <a:ext uri="{FF2B5EF4-FFF2-40B4-BE49-F238E27FC236}">
-                <a16:creationId xmlns:a16="http://schemas.microsoft.com/office/drawing/2014/main" id="{FA265721-70CE-3F8B-9FA8-07598EE4CD6B}"/>
+                <a16:creationId xmlns:a16="http://schemas.microsoft.com/office/drawing/2014/main" id="{D47A0273-BC96-BCBF-EA6B-0BF43FBA587A}"/>
               </a:ext>
             </a:extLst>
           </p:cNvPr>
@@ -1933,7 +1933,7 @@
           <p:cNvPr id="3" name="日期占位符 2">
             <a:extLst>
               <a:ext uri="{FF2B5EF4-FFF2-40B4-BE49-F238E27FC236}">
-                <a16:creationId xmlns:a16="http://schemas.microsoft.com/office/drawing/2014/main" id="{4044F8C0-D5A4-7CCC-158F-F204351F0044}"/>
+                <a16:creationId xmlns:a16="http://schemas.microsoft.com/office/drawing/2014/main" id="{F208795C-3C27-086E-3CB7-6E5A1F987B36}"/>
               </a:ext>
             </a:extLst>
           </p:cNvPr>
@@ -1949,7 +1949,7 @@
           <a:bodyPr/>
           <a:lstStyle/>
           <a:p>
-            <a:fld id="{4B8A5D4E-6518-4B9B-B6A8-715157B99B0A}" type="datetimeFigureOut">
+            <a:fld id="{F2D343E5-E949-4855-8E61-09053646E530}" type="datetimeFigureOut">
               <a:rPr lang="zh-CN" altLang="en-US" smtClean="0"/>
               <a:t>2024/3/10</a:t>
             </a:fld>
@@ -1962,7 +1962,7 @@
           <p:cNvPr id="4" name="页脚占位符 3">
             <a:extLst>
               <a:ext uri="{FF2B5EF4-FFF2-40B4-BE49-F238E27FC236}">
-                <a16:creationId xmlns:a16="http://schemas.microsoft.com/office/drawing/2014/main" id="{D3BF4B38-D770-DC61-0494-96AA87EA66BF}"/>
+                <a16:creationId xmlns:a16="http://schemas.microsoft.com/office/drawing/2014/main" id="{A61F95B1-6CAA-7E7B-73D7-747BCB6AC7BC}"/>
               </a:ext>
             </a:extLst>
           </p:cNvPr>
@@ -1987,7 +1987,7 @@
           <p:cNvPr id="5" name="灯片编号占位符 4">
             <a:extLst>
               <a:ext uri="{FF2B5EF4-FFF2-40B4-BE49-F238E27FC236}">
-                <a16:creationId xmlns:a16="http://schemas.microsoft.com/office/drawing/2014/main" id="{C9B8DEF4-229D-B8F4-CA7F-5E87453090EB}"/>
+                <a16:creationId xmlns:a16="http://schemas.microsoft.com/office/drawing/2014/main" id="{0FD4CD45-64C5-41B0-F2EC-E03EC279CAFE}"/>
               </a:ext>
             </a:extLst>
           </p:cNvPr>
@@ -2003,7 +2003,7 @@
           <a:bodyPr/>
           <a:lstStyle/>
           <a:p>
-            <a:fld id="{05BB5440-6AC4-4B34-BB4B-342A5E19C0E5}" type="slidenum">
+            <a:fld id="{21BDFC3D-260D-4D63-B460-4A8FAB98BE4F}" type="slidenum">
               <a:rPr lang="zh-CN" altLang="en-US" smtClean="0"/>
               <a:t>‹#›</a:t>
             </a:fld>
@@ -2014,7 +2014,7 @@
     </p:spTree>
     <p:extLst>
       <p:ext uri="{BB962C8B-B14F-4D97-AF65-F5344CB8AC3E}">
-        <p14:creationId xmlns:p14="http://schemas.microsoft.com/office/powerpoint/2010/main" val="883451190"/>
+        <p14:creationId xmlns:p14="http://schemas.microsoft.com/office/powerpoint/2010/main" val="1979996098"/>
       </p:ext>
     </p:extLst>
   </p:cSld>
@@ -2046,7 +2046,7 @@
           <p:cNvPr id="2" name="日期占位符 1">
             <a:extLst>
               <a:ext uri="{FF2B5EF4-FFF2-40B4-BE49-F238E27FC236}">
-                <a16:creationId xmlns:a16="http://schemas.microsoft.com/office/drawing/2014/main" id="{881083EA-8965-41F1-51E3-70E3452F8F15}"/>
+                <a16:creationId xmlns:a16="http://schemas.microsoft.com/office/drawing/2014/main" id="{BD2820B9-3C63-A416-A239-C7FAF0F88512}"/>
               </a:ext>
             </a:extLst>
           </p:cNvPr>
@@ -2062,7 +2062,7 @@
           <a:bodyPr/>
           <a:lstStyle/>
           <a:p>
-            <a:fld id="{4B8A5D4E-6518-4B9B-B6A8-715157B99B0A}" type="datetimeFigureOut">
+            <a:fld id="{F2D343E5-E949-4855-8E61-09053646E530}" type="datetimeFigureOut">
               <a:rPr lang="zh-CN" altLang="en-US" smtClean="0"/>
               <a:t>2024/3/10</a:t>
             </a:fld>
@@ -2075,7 +2075,7 @@
           <p:cNvPr id="3" name="页脚占位符 2">
             <a:extLst>
               <a:ext uri="{FF2B5EF4-FFF2-40B4-BE49-F238E27FC236}">
-                <a16:creationId xmlns:a16="http://schemas.microsoft.com/office/drawing/2014/main" id="{94778303-D885-6981-0FBC-D9433AFDB280}"/>
+                <a16:creationId xmlns:a16="http://schemas.microsoft.com/office/drawing/2014/main" id="{FE3AF238-DA07-C410-0C2F-8E5304FE31B3}"/>
               </a:ext>
             </a:extLst>
           </p:cNvPr>
@@ -2100,7 +2100,7 @@
           <p:cNvPr id="4" name="灯片编号占位符 3">
             <a:extLst>
               <a:ext uri="{FF2B5EF4-FFF2-40B4-BE49-F238E27FC236}">
-                <a16:creationId xmlns:a16="http://schemas.microsoft.com/office/drawing/2014/main" id="{697683D5-FEAC-506E-B17C-B4306EF3BA0D}"/>
+                <a16:creationId xmlns:a16="http://schemas.microsoft.com/office/drawing/2014/main" id="{37CB1CFD-8853-9BF1-2F3B-56A8317ADBB8}"/>
               </a:ext>
             </a:extLst>
           </p:cNvPr>
@@ -2116,7 +2116,7 @@
           <a:bodyPr/>
           <a:lstStyle/>
           <a:p>
-            <a:fld id="{05BB5440-6AC4-4B34-BB4B-342A5E19C0E5}" type="slidenum">
+            <a:fld id="{21BDFC3D-260D-4D63-B460-4A8FAB98BE4F}" type="slidenum">
               <a:rPr lang="zh-CN" altLang="en-US" smtClean="0"/>
               <a:t>‹#›</a:t>
             </a:fld>
@@ -2127,7 +2127,7 @@
     </p:spTree>
     <p:extLst>
       <p:ext uri="{BB962C8B-B14F-4D97-AF65-F5344CB8AC3E}">
-        <p14:creationId xmlns:p14="http://schemas.microsoft.com/office/powerpoint/2010/main" val="243089623"/>
+        <p14:creationId xmlns:p14="http://schemas.microsoft.com/office/powerpoint/2010/main" val="2792746388"/>
       </p:ext>
     </p:extLst>
   </p:cSld>
@@ -2159,7 +2159,7 @@
           <p:cNvPr id="2" name="标题 1">
             <a:extLst>
               <a:ext uri="{FF2B5EF4-FFF2-40B4-BE49-F238E27FC236}">
-                <a16:creationId xmlns:a16="http://schemas.microsoft.com/office/drawing/2014/main" id="{1414272C-6190-FB41-A004-12C16E4596FF}"/>
+                <a16:creationId xmlns:a16="http://schemas.microsoft.com/office/drawing/2014/main" id="{CA26A4C3-7547-1A31-E206-6943852E7CA8}"/>
               </a:ext>
             </a:extLst>
           </p:cNvPr>
@@ -2196,7 +2196,7 @@
           <p:cNvPr id="3" name="内容占位符 2">
             <a:extLst>
               <a:ext uri="{FF2B5EF4-FFF2-40B4-BE49-F238E27FC236}">
-                <a16:creationId xmlns:a16="http://schemas.microsoft.com/office/drawing/2014/main" id="{2B9D62EA-7682-7988-F10B-A7A28C2D7119}"/>
+                <a16:creationId xmlns:a16="http://schemas.microsoft.com/office/drawing/2014/main" id="{68C89112-AD7C-7CC1-08CC-04F718DBA8B9}"/>
               </a:ext>
             </a:extLst>
           </p:cNvPr>
@@ -2286,7 +2286,7 @@
           <p:cNvPr id="4" name="文本占位符 3">
             <a:extLst>
               <a:ext uri="{FF2B5EF4-FFF2-40B4-BE49-F238E27FC236}">
-                <a16:creationId xmlns:a16="http://schemas.microsoft.com/office/drawing/2014/main" id="{7623CF10-6F91-E8E1-1E23-A2941CE71D24}"/>
+                <a16:creationId xmlns:a16="http://schemas.microsoft.com/office/drawing/2014/main" id="{3EF70AA8-031A-7413-9DD3-F4B514BBCC1D}"/>
               </a:ext>
             </a:extLst>
           </p:cNvPr>
@@ -2357,7 +2357,7 @@
           <p:cNvPr id="5" name="日期占位符 4">
             <a:extLst>
               <a:ext uri="{FF2B5EF4-FFF2-40B4-BE49-F238E27FC236}">
-                <a16:creationId xmlns:a16="http://schemas.microsoft.com/office/drawing/2014/main" id="{16DD8CDC-5561-46D6-C534-70EBABD9F8A8}"/>
+                <a16:creationId xmlns:a16="http://schemas.microsoft.com/office/drawing/2014/main" id="{D95BC0B7-640A-2BDE-6B0D-56BE1739F002}"/>
               </a:ext>
             </a:extLst>
           </p:cNvPr>
@@ -2373,7 +2373,7 @@
           <a:bodyPr/>
           <a:lstStyle/>
           <a:p>
-            <a:fld id="{4B8A5D4E-6518-4B9B-B6A8-715157B99B0A}" type="datetimeFigureOut">
+            <a:fld id="{F2D343E5-E949-4855-8E61-09053646E530}" type="datetimeFigureOut">
               <a:rPr lang="zh-CN" altLang="en-US" smtClean="0"/>
               <a:t>2024/3/10</a:t>
             </a:fld>
@@ -2386,7 +2386,7 @@
           <p:cNvPr id="6" name="页脚占位符 5">
             <a:extLst>
               <a:ext uri="{FF2B5EF4-FFF2-40B4-BE49-F238E27FC236}">
-                <a16:creationId xmlns:a16="http://schemas.microsoft.com/office/drawing/2014/main" id="{5A91ADBC-AA1F-B3C5-25D4-5B83E309CEB4}"/>
+                <a16:creationId xmlns:a16="http://schemas.microsoft.com/office/drawing/2014/main" id="{35E11DBF-9233-4879-D3A0-52453C671D91}"/>
               </a:ext>
             </a:extLst>
           </p:cNvPr>
@@ -2411,7 +2411,7 @@
           <p:cNvPr id="7" name="灯片编号占位符 6">
             <a:extLst>
               <a:ext uri="{FF2B5EF4-FFF2-40B4-BE49-F238E27FC236}">
-                <a16:creationId xmlns:a16="http://schemas.microsoft.com/office/drawing/2014/main" id="{10EC66C3-4D67-77A3-225E-83A2D85E7EBA}"/>
+                <a16:creationId xmlns:a16="http://schemas.microsoft.com/office/drawing/2014/main" id="{9D81707A-982A-67FF-9C6D-1A6571644C04}"/>
               </a:ext>
             </a:extLst>
           </p:cNvPr>
@@ -2427,7 +2427,7 @@
           <a:bodyPr/>
           <a:lstStyle/>
           <a:p>
-            <a:fld id="{05BB5440-6AC4-4B34-BB4B-342A5E19C0E5}" type="slidenum">
+            <a:fld id="{21BDFC3D-260D-4D63-B460-4A8FAB98BE4F}" type="slidenum">
               <a:rPr lang="zh-CN" altLang="en-US" smtClean="0"/>
               <a:t>‹#›</a:t>
             </a:fld>
@@ -2438,7 +2438,7 @@
     </p:spTree>
     <p:extLst>
       <p:ext uri="{BB962C8B-B14F-4D97-AF65-F5344CB8AC3E}">
-        <p14:creationId xmlns:p14="http://schemas.microsoft.com/office/powerpoint/2010/main" val="1594479240"/>
+        <p14:creationId xmlns:p14="http://schemas.microsoft.com/office/powerpoint/2010/main" val="1655325086"/>
       </p:ext>
     </p:extLst>
   </p:cSld>
@@ -2470,7 +2470,7 @@
           <p:cNvPr id="2" name="标题 1">
             <a:extLst>
               <a:ext uri="{FF2B5EF4-FFF2-40B4-BE49-F238E27FC236}">
-                <a16:creationId xmlns:a16="http://schemas.microsoft.com/office/drawing/2014/main" id="{92950F60-B937-E108-ADE5-08304BD82520}"/>
+                <a16:creationId xmlns:a16="http://schemas.microsoft.com/office/drawing/2014/main" id="{A472C796-8F0E-CA42-2319-B3E92D391652}"/>
               </a:ext>
             </a:extLst>
           </p:cNvPr>
@@ -2507,7 +2507,7 @@
           <p:cNvPr id="3" name="图片占位符 2">
             <a:extLst>
               <a:ext uri="{FF2B5EF4-FFF2-40B4-BE49-F238E27FC236}">
-                <a16:creationId xmlns:a16="http://schemas.microsoft.com/office/drawing/2014/main" id="{19AEB34D-D6A7-95C6-D9A2-035C53E63BE9}"/>
+                <a16:creationId xmlns:a16="http://schemas.microsoft.com/office/drawing/2014/main" id="{581DC157-803F-B909-E6B9-611AB478A936}"/>
               </a:ext>
             </a:extLst>
           </p:cNvPr>
@@ -2574,7 +2574,7 @@
           <p:cNvPr id="4" name="文本占位符 3">
             <a:extLst>
               <a:ext uri="{FF2B5EF4-FFF2-40B4-BE49-F238E27FC236}">
-                <a16:creationId xmlns:a16="http://schemas.microsoft.com/office/drawing/2014/main" id="{0F55B9AD-4720-BF8B-F467-FD55BDD45B81}"/>
+                <a16:creationId xmlns:a16="http://schemas.microsoft.com/office/drawing/2014/main" id="{5E68422C-9A63-58B0-91A8-F8DD0ABCBB25}"/>
               </a:ext>
             </a:extLst>
           </p:cNvPr>
@@ -2645,7 +2645,7 @@
           <p:cNvPr id="5" name="日期占位符 4">
             <a:extLst>
               <a:ext uri="{FF2B5EF4-FFF2-40B4-BE49-F238E27FC236}">
-                <a16:creationId xmlns:a16="http://schemas.microsoft.com/office/drawing/2014/main" id="{A0A74A44-A198-2B62-707A-9DA021DD35E3}"/>
+                <a16:creationId xmlns:a16="http://schemas.microsoft.com/office/drawing/2014/main" id="{B36901CD-421F-AB25-F3C6-FC2FABB1E019}"/>
               </a:ext>
             </a:extLst>
           </p:cNvPr>
@@ -2661,7 +2661,7 @@
           <a:bodyPr/>
           <a:lstStyle/>
           <a:p>
-            <a:fld id="{4B8A5D4E-6518-4B9B-B6A8-715157B99B0A}" type="datetimeFigureOut">
+            <a:fld id="{F2D343E5-E949-4855-8E61-09053646E530}" type="datetimeFigureOut">
               <a:rPr lang="zh-CN" altLang="en-US" smtClean="0"/>
               <a:t>2024/3/10</a:t>
             </a:fld>
@@ -2674,7 +2674,7 @@
           <p:cNvPr id="6" name="页脚占位符 5">
             <a:extLst>
               <a:ext uri="{FF2B5EF4-FFF2-40B4-BE49-F238E27FC236}">
-                <a16:creationId xmlns:a16="http://schemas.microsoft.com/office/drawing/2014/main" id="{581F5A08-6440-C662-DE7F-AF360F25345C}"/>
+                <a16:creationId xmlns:a16="http://schemas.microsoft.com/office/drawing/2014/main" id="{47DDF11E-4616-6484-CCA1-CAC55AA59DA3}"/>
               </a:ext>
             </a:extLst>
           </p:cNvPr>
@@ -2699,7 +2699,7 @@
           <p:cNvPr id="7" name="灯片编号占位符 6">
             <a:extLst>
               <a:ext uri="{FF2B5EF4-FFF2-40B4-BE49-F238E27FC236}">
-                <a16:creationId xmlns:a16="http://schemas.microsoft.com/office/drawing/2014/main" id="{C3248369-4F61-02ED-9834-35F2D8135BFF}"/>
+                <a16:creationId xmlns:a16="http://schemas.microsoft.com/office/drawing/2014/main" id="{E4FC863B-5F6F-40EB-A3C1-157CBB506AC0}"/>
               </a:ext>
             </a:extLst>
           </p:cNvPr>
@@ -2715,7 +2715,7 @@
           <a:bodyPr/>
           <a:lstStyle/>
           <a:p>
-            <a:fld id="{05BB5440-6AC4-4B34-BB4B-342A5E19C0E5}" type="slidenum">
+            <a:fld id="{21BDFC3D-260D-4D63-B460-4A8FAB98BE4F}" type="slidenum">
               <a:rPr lang="zh-CN" altLang="en-US" smtClean="0"/>
               <a:t>‹#›</a:t>
             </a:fld>
@@ -2726,7 +2726,7 @@
     </p:spTree>
     <p:extLst>
       <p:ext uri="{BB962C8B-B14F-4D97-AF65-F5344CB8AC3E}">
-        <p14:creationId xmlns:p14="http://schemas.microsoft.com/office/powerpoint/2010/main" val="3914978014"/>
+        <p14:creationId xmlns:p14="http://schemas.microsoft.com/office/powerpoint/2010/main" val="3079253105"/>
       </p:ext>
     </p:extLst>
   </p:cSld>
@@ -2763,7 +2763,7 @@
           <p:cNvPr id="2" name="标题占位符 1">
             <a:extLst>
               <a:ext uri="{FF2B5EF4-FFF2-40B4-BE49-F238E27FC236}">
-                <a16:creationId xmlns:a16="http://schemas.microsoft.com/office/drawing/2014/main" id="{CB860EBB-9BAC-5F74-0363-CFDBE3B21524}"/>
+                <a16:creationId xmlns:a16="http://schemas.microsoft.com/office/drawing/2014/main" id="{45F85453-6660-A905-4938-33EED63425EE}"/>
               </a:ext>
             </a:extLst>
           </p:cNvPr>
@@ -2801,7 +2801,7 @@
           <p:cNvPr id="3" name="文本占位符 2">
             <a:extLst>
               <a:ext uri="{FF2B5EF4-FFF2-40B4-BE49-F238E27FC236}">
-                <a16:creationId xmlns:a16="http://schemas.microsoft.com/office/drawing/2014/main" id="{928A5EBA-7D74-04C2-2B81-A0BFD861EF7A}"/>
+                <a16:creationId xmlns:a16="http://schemas.microsoft.com/office/drawing/2014/main" id="{85A7FD3D-7BD6-6E96-6740-56107C8C55F4}"/>
               </a:ext>
             </a:extLst>
           </p:cNvPr>
@@ -2868,7 +2868,7 @@
           <p:cNvPr id="4" name="日期占位符 3">
             <a:extLst>
               <a:ext uri="{FF2B5EF4-FFF2-40B4-BE49-F238E27FC236}">
-                <a16:creationId xmlns:a16="http://schemas.microsoft.com/office/drawing/2014/main" id="{AE28C515-B53A-B4FA-C914-13FDFD900FAD}"/>
+                <a16:creationId xmlns:a16="http://schemas.microsoft.com/office/drawing/2014/main" id="{E152B796-9C6E-7AF0-F841-59A2C8D27FFD}"/>
               </a:ext>
             </a:extLst>
           </p:cNvPr>
@@ -2902,7 +2902,7 @@
             </a:lvl1pPr>
           </a:lstStyle>
           <a:p>
-            <a:fld id="{4B8A5D4E-6518-4B9B-B6A8-715157B99B0A}" type="datetimeFigureOut">
+            <a:fld id="{F2D343E5-E949-4855-8E61-09053646E530}" type="datetimeFigureOut">
               <a:rPr lang="zh-CN" altLang="en-US" smtClean="0"/>
               <a:t>2024/3/10</a:t>
             </a:fld>
@@ -2915,7 +2915,7 @@
           <p:cNvPr id="5" name="页脚占位符 4">
             <a:extLst>
               <a:ext uri="{FF2B5EF4-FFF2-40B4-BE49-F238E27FC236}">
-                <a16:creationId xmlns:a16="http://schemas.microsoft.com/office/drawing/2014/main" id="{286D8889-0293-2B67-2CE0-E17962EFA1CC}"/>
+                <a16:creationId xmlns:a16="http://schemas.microsoft.com/office/drawing/2014/main" id="{C6413D07-6FE1-262C-9A03-711E4A6456CF}"/>
               </a:ext>
             </a:extLst>
           </p:cNvPr>
@@ -2958,7 +2958,7 @@
           <p:cNvPr id="6" name="灯片编号占位符 5">
             <a:extLst>
               <a:ext uri="{FF2B5EF4-FFF2-40B4-BE49-F238E27FC236}">
-                <a16:creationId xmlns:a16="http://schemas.microsoft.com/office/drawing/2014/main" id="{3767A2DE-36D1-57C9-A0F9-57FCC6FDB127}"/>
+                <a16:creationId xmlns:a16="http://schemas.microsoft.com/office/drawing/2014/main" id="{80E048DB-CD11-B293-C804-2B687E21104B}"/>
               </a:ext>
             </a:extLst>
           </p:cNvPr>
@@ -2992,7 +2992,7 @@
             </a:lvl1pPr>
           </a:lstStyle>
           <a:p>
-            <a:fld id="{05BB5440-6AC4-4B34-BB4B-342A5E19C0E5}" type="slidenum">
+            <a:fld id="{21BDFC3D-260D-4D63-B460-4A8FAB98BE4F}" type="slidenum">
               <a:rPr lang="zh-CN" altLang="en-US" smtClean="0"/>
               <a:t>‹#›</a:t>
             </a:fld>
@@ -3003,7 +3003,7 @@
     </p:spTree>
     <p:extLst>
       <p:ext uri="{BB962C8B-B14F-4D97-AF65-F5344CB8AC3E}">
-        <p14:creationId xmlns:p14="http://schemas.microsoft.com/office/powerpoint/2010/main" val="1827274417"/>
+        <p14:creationId xmlns:p14="http://schemas.microsoft.com/office/powerpoint/2010/main" val="3060681634"/>
       </p:ext>
     </p:extLst>
   </p:cSld>
@@ -3323,7 +3323,7 @@
       </p:grpSpPr>
       <p:pic>
         <p:nvPicPr>
-          <p:cNvPr id="1240066" name="Picture 2" descr="1210"/>
+          <p:cNvPr id="1241090" name="Picture 2" descr="1211"/>
           <p:cNvPicPr>
             <a:picLocks noChangeAspect="1" noChangeArrowheads="1"/>
           </p:cNvPicPr>
@@ -3344,8 +3344,8 @@
         </p:blipFill>
         <p:spPr bwMode="auto">
           <a:xfrm>
-            <a:off x="1524000" y="1"/>
-            <a:ext cx="9144000" cy="6856413"/>
+            <a:off x="1524000" y="0"/>
+            <a:ext cx="9144000" cy="6858000"/>
           </a:xfrm>
           <a:prstGeom prst="rect">
             <a:avLst/>
@@ -3375,158 +3375,11 @@
           </a:extLst>
         </p:spPr>
       </p:pic>
-      <p:pic>
-        <p:nvPicPr>
-          <p:cNvPr id="1241091" name="Picture 3" descr="1210-2"/>
-          <p:cNvPicPr>
-            <a:picLocks noChangeAspect="1" noChangeArrowheads="1"/>
-          </p:cNvPicPr>
-          <p:nvPr/>
-        </p:nvPicPr>
-        <p:blipFill>
-          <a:blip r:embed="rId3">
-            <a:extLst>
-              <a:ext uri="{28A0092B-C50C-407E-A947-70E740481C1C}">
-                <a14:useLocalDpi xmlns:a14="http://schemas.microsoft.com/office/drawing/2010/main" val="0"/>
-              </a:ext>
-            </a:extLst>
-          </a:blip>
-          <a:srcRect/>
-          <a:stretch>
-            <a:fillRect/>
-          </a:stretch>
-        </p:blipFill>
-        <p:spPr bwMode="auto">
-          <a:xfrm>
-            <a:off x="1524000" y="44450"/>
-            <a:ext cx="9144000" cy="6813550"/>
-          </a:xfrm>
-          <a:prstGeom prst="rect">
-            <a:avLst/>
-          </a:prstGeom>
-          <a:noFill/>
-          <a:ln>
-            <a:noFill/>
-          </a:ln>
-          <a:effectLst/>
-          <a:extLst>
-            <a:ext uri="{909E8E84-426E-40DD-AFC4-6F175D3DCCD1}">
-              <a14:hiddenFill xmlns:a14="http://schemas.microsoft.com/office/drawing/2010/main">
-                <a:solidFill>
-                  <a:srgbClr val="FFFFFF"/>
-                </a:solidFill>
-              </a14:hiddenFill>
-            </a:ext>
-            <a:ext uri="{91240B29-F687-4F45-9708-019B960494DF}">
-              <a14:hiddenLine xmlns:a14="http://schemas.microsoft.com/office/drawing/2010/main" w="9525">
-                <a:solidFill>
-                  <a:srgbClr val="000000"/>
-                </a:solidFill>
-                <a:miter lim="800000"/>
-                <a:headEnd/>
-                <a:tailEnd/>
-              </a14:hiddenLine>
-            </a:ext>
-            <a:ext uri="{AF507438-7753-43E0-B8FC-AC1667EBCBE1}">
-              <a14:hiddenEffects xmlns:a14="http://schemas.microsoft.com/office/drawing/2010/main">
-                <a:effectLst>
-                  <a:outerShdw dist="35921" dir="2700000" algn="ctr" rotWithShape="0">
-                    <a:srgbClr val="808080"/>
-                  </a:outerShdw>
-                </a:effectLst>
-              </a14:hiddenEffects>
-            </a:ext>
-          </a:extLst>
-        </p:spPr>
-      </p:pic>
     </p:spTree>
   </p:cSld>
   <p:clrMapOvr>
     <a:masterClrMapping/>
   </p:clrMapOvr>
-  <p:timing>
-    <p:tnLst>
-      <p:par>
-        <p:cTn id="1" dur="indefinite" restart="never" nodeType="tmRoot">
-          <p:childTnLst>
-            <p:seq concurrent="1" nextAc="seek">
-              <p:cTn id="2" dur="indefinite" nodeType="mainSeq">
-                <p:childTnLst>
-                  <p:par>
-                    <p:cTn id="3" fill="hold" nodeType="clickPar">
-                      <p:stCondLst>
-                        <p:cond delay="indefinite"/>
-                      </p:stCondLst>
-                      <p:childTnLst>
-                        <p:par>
-                          <p:cTn id="4" fill="hold" nodeType="withGroup">
-                            <p:stCondLst>
-                              <p:cond delay="0"/>
-                            </p:stCondLst>
-                            <p:childTnLst>
-                              <p:par>
-                                <p:cTn id="5" presetID="10" presetClass="entr" presetSubtype="0" fill="hold" nodeType="clickEffect">
-                                  <p:stCondLst>
-                                    <p:cond delay="0"/>
-                                  </p:stCondLst>
-                                  <p:childTnLst>
-                                    <p:set>
-                                      <p:cBhvr>
-                                        <p:cTn id="6" dur="1" fill="hold">
-                                          <p:stCondLst>
-                                            <p:cond delay="0"/>
-                                          </p:stCondLst>
-                                        </p:cTn>
-                                        <p:tgtEl>
-                                          <p:spTgt spid="1241091"/>
-                                        </p:tgtEl>
-                                        <p:attrNameLst>
-                                          <p:attrName>style.visibility</p:attrName>
-                                        </p:attrNameLst>
-                                      </p:cBhvr>
-                                      <p:to>
-                                        <p:strVal val="visible"/>
-                                      </p:to>
-                                    </p:set>
-                                    <p:animEffect transition="in" filter="fade">
-                                      <p:cBhvr>
-                                        <p:cTn id="7" dur="500"/>
-                                        <p:tgtEl>
-                                          <p:spTgt spid="1241091"/>
-                                        </p:tgtEl>
-                                      </p:cBhvr>
-                                    </p:animEffect>
-                                  </p:childTnLst>
-                                </p:cTn>
-                              </p:par>
-                            </p:childTnLst>
-                          </p:cTn>
-                        </p:par>
-                      </p:childTnLst>
-                    </p:cTn>
-                  </p:par>
-                </p:childTnLst>
-              </p:cTn>
-              <p:prevCondLst>
-                <p:cond evt="onPrev" delay="0">
-                  <p:tgtEl>
-                    <p:sldTgt/>
-                  </p:tgtEl>
-                </p:cond>
-              </p:prevCondLst>
-              <p:nextCondLst>
-                <p:cond evt="onNext" delay="0">
-                  <p:tgtEl>
-                    <p:sldTgt/>
-                  </p:tgtEl>
-                </p:cond>
-              </p:nextCondLst>
-            </p:seq>
-          </p:childTnLst>
-        </p:cTn>
-      </p:par>
-    </p:tnLst>
-  </p:timing>
 </p:sld>
 </file>
 
